--- a/ppt_wc.pptx
+++ b/ppt_wc.pptx
@@ -109,6 +109,11 @@
       </a:defRPr>
     </a:lvl9pPr>
   </p:defaultTextStyle>
+  <p:extLst>
+    <p:ext uri="{EFAFB233-063F-42B5-8137-9DF3F51BA10A}">
+      <p15:sldGuideLst xmlns:p15="http://schemas.microsoft.com/office/powerpoint/2012/main"/>
+    </p:ext>
+  </p:extLst>
 </p:presentation>
 </file>
 
@@ -3681,7 +3686,10 @@
           <a:bodyPr/>
           <a:lstStyle/>
           <a:p>
-            <a:endParaRPr lang="en-CA"/>
+            <a:r>
+              <a:rPr lang="en-CA" dirty="0"/>
+              <a:t>Data source</a:t>
+            </a:r>
           </a:p>
         </p:txBody>
       </p:sp>
@@ -3706,7 +3714,16 @@
           <a:bodyPr/>
           <a:lstStyle/>
           <a:p>
-            <a:endParaRPr lang="en-CA"/>
+            <a:r>
+              <a:rPr lang="en-CA" dirty="0"/>
+              <a:t>Neighborhood data with names and latitude/longitude</a:t>
+            </a:r>
+          </a:p>
+          <a:p>
+            <a:r>
+              <a:rPr lang="en-CA" dirty="0"/>
+              <a:t>Four Square API</a:t>
+            </a:r>
           </a:p>
         </p:txBody>
       </p:sp>
@@ -3761,7 +3778,10 @@
           <a:bodyPr/>
           <a:lstStyle/>
           <a:p>
-            <a:endParaRPr lang="en-CA"/>
+            <a:r>
+              <a:rPr lang="en-CA" dirty="0"/>
+              <a:t>Preliminary Map view</a:t>
+            </a:r>
           </a:p>
         </p:txBody>
       </p:sp>
@@ -3786,10 +3806,40 @@
           <a:bodyPr/>
           <a:lstStyle/>
           <a:p>
-            <a:endParaRPr lang="en-CA"/>
-          </a:p>
-        </p:txBody>
-      </p:sp>
+            <a:endParaRPr lang="en-CA" dirty="0"/>
+          </a:p>
+        </p:txBody>
+      </p:sp>
+      <p:pic>
+        <p:nvPicPr>
+          <p:cNvPr id="4" name="Picture 3">
+            <a:extLst>
+              <a:ext uri="{FF2B5EF4-FFF2-40B4-BE49-F238E27FC236}">
+                <a16:creationId xmlns:a16="http://schemas.microsoft.com/office/drawing/2014/main" id="{EDC150FE-920A-411C-9066-388DDE8AF5D4}"/>
+              </a:ext>
+            </a:extLst>
+          </p:cNvPr>
+          <p:cNvPicPr>
+            <a:picLocks noChangeAspect="1"/>
+          </p:cNvPicPr>
+          <p:nvPr/>
+        </p:nvPicPr>
+        <p:blipFill>
+          <a:blip r:embed="rId2"/>
+          <a:stretch>
+            <a:fillRect/>
+          </a:stretch>
+        </p:blipFill>
+        <p:spPr>
+          <a:xfrm>
+            <a:off x="1451579" y="2015732"/>
+            <a:ext cx="5823864" cy="3816207"/>
+          </a:xfrm>
+          <a:prstGeom prst="rect">
+            <a:avLst/>
+          </a:prstGeom>
+        </p:spPr>
+      </p:pic>
     </p:spTree>
     <p:extLst>
       <p:ext uri="{BB962C8B-B14F-4D97-AF65-F5344CB8AC3E}">
@@ -3841,7 +3891,10 @@
           <a:bodyPr/>
           <a:lstStyle/>
           <a:p>
-            <a:endParaRPr lang="en-CA"/>
+            <a:r>
+              <a:rPr lang="en-CA" dirty="0"/>
+              <a:t>Cluster view</a:t>
+            </a:r>
           </a:p>
         </p:txBody>
       </p:sp>
@@ -3870,6 +3923,36 @@
           </a:p>
         </p:txBody>
       </p:sp>
+      <p:pic>
+        <p:nvPicPr>
+          <p:cNvPr id="4" name="Picture 3">
+            <a:extLst>
+              <a:ext uri="{FF2B5EF4-FFF2-40B4-BE49-F238E27FC236}">
+                <a16:creationId xmlns:a16="http://schemas.microsoft.com/office/drawing/2014/main" id="{54D8E424-82B3-4106-9CFD-6ECF8C92089A}"/>
+              </a:ext>
+            </a:extLst>
+          </p:cNvPr>
+          <p:cNvPicPr>
+            <a:picLocks noChangeAspect="1"/>
+          </p:cNvPicPr>
+          <p:nvPr/>
+        </p:nvPicPr>
+        <p:blipFill>
+          <a:blip r:embed="rId2"/>
+          <a:stretch>
+            <a:fillRect/>
+          </a:stretch>
+        </p:blipFill>
+        <p:spPr>
+          <a:xfrm>
+            <a:off x="1451579" y="2018295"/>
+            <a:ext cx="5116198" cy="4008796"/>
+          </a:xfrm>
+          <a:prstGeom prst="rect">
+            <a:avLst/>
+          </a:prstGeom>
+        </p:spPr>
+      </p:pic>
     </p:spTree>
     <p:extLst>
       <p:ext uri="{BB962C8B-B14F-4D97-AF65-F5344CB8AC3E}">
@@ -3921,7 +4004,10 @@
           <a:bodyPr/>
           <a:lstStyle/>
           <a:p>
-            <a:endParaRPr lang="en-CA"/>
+            <a:r>
+              <a:rPr lang="en-CA" dirty="0"/>
+              <a:t>CLUSTER 1</a:t>
+            </a:r>
           </a:p>
         </p:txBody>
       </p:sp>
@@ -3950,6 +4036,36 @@
           </a:p>
         </p:txBody>
       </p:sp>
+      <p:pic>
+        <p:nvPicPr>
+          <p:cNvPr id="4" name="Picture 3">
+            <a:extLst>
+              <a:ext uri="{FF2B5EF4-FFF2-40B4-BE49-F238E27FC236}">
+                <a16:creationId xmlns:a16="http://schemas.microsoft.com/office/drawing/2014/main" id="{01594542-2523-4ECC-829E-BDF6005B8C16}"/>
+              </a:ext>
+            </a:extLst>
+          </p:cNvPr>
+          <p:cNvPicPr>
+            <a:picLocks noChangeAspect="1"/>
+          </p:cNvPicPr>
+          <p:nvPr/>
+        </p:nvPicPr>
+        <p:blipFill>
+          <a:blip r:embed="rId2"/>
+          <a:stretch>
+            <a:fillRect/>
+          </a:stretch>
+        </p:blipFill>
+        <p:spPr>
+          <a:xfrm>
+            <a:off x="1451580" y="2015732"/>
+            <a:ext cx="10077812" cy="3111574"/>
+          </a:xfrm>
+          <a:prstGeom prst="rect">
+            <a:avLst/>
+          </a:prstGeom>
+        </p:spPr>
+      </p:pic>
     </p:spTree>
     <p:extLst>
       <p:ext uri="{BB962C8B-B14F-4D97-AF65-F5344CB8AC3E}">
@@ -3985,7 +4101,7 @@
           <p:cNvPr id="2" name="Title 1">
             <a:extLst>
               <a:ext uri="{FF2B5EF4-FFF2-40B4-BE49-F238E27FC236}">
-                <a16:creationId xmlns:a16="http://schemas.microsoft.com/office/drawing/2014/main" id="{38F96ECC-7384-447B-B4CD-551BDB8B99B4}"/>
+                <a16:creationId xmlns:a16="http://schemas.microsoft.com/office/drawing/2014/main" id="{DD8ADD59-9496-4759-AD91-241AB63E4322}"/>
               </a:ext>
             </a:extLst>
           </p:cNvPr>
@@ -4001,7 +4117,10 @@
           <a:bodyPr/>
           <a:lstStyle/>
           <a:p>
-            <a:endParaRPr lang="en-CA"/>
+            <a:r>
+              <a:rPr lang="en-CA" dirty="0"/>
+              <a:t>CLUSTER 5-7</a:t>
+            </a:r>
           </a:p>
         </p:txBody>
       </p:sp>
@@ -4010,7 +4129,7 @@
           <p:cNvPr id="3" name="Content Placeholder 2">
             <a:extLst>
               <a:ext uri="{FF2B5EF4-FFF2-40B4-BE49-F238E27FC236}">
-                <a16:creationId xmlns:a16="http://schemas.microsoft.com/office/drawing/2014/main" id="{4C35581E-9631-41A4-9DE5-896A53CDF0EB}"/>
+                <a16:creationId xmlns:a16="http://schemas.microsoft.com/office/drawing/2014/main" id="{3A2BDBB5-FE04-4280-8574-8619FA0C51BA}"/>
               </a:ext>
             </a:extLst>
           </p:cNvPr>
@@ -4030,10 +4149,40 @@
           </a:p>
         </p:txBody>
       </p:sp>
+      <p:pic>
+        <p:nvPicPr>
+          <p:cNvPr id="5" name="Picture 4">
+            <a:extLst>
+              <a:ext uri="{FF2B5EF4-FFF2-40B4-BE49-F238E27FC236}">
+                <a16:creationId xmlns:a16="http://schemas.microsoft.com/office/drawing/2014/main" id="{2C81C49F-B2C6-4887-A32C-ACA335D6B16D}"/>
+              </a:ext>
+            </a:extLst>
+          </p:cNvPr>
+          <p:cNvPicPr>
+            <a:picLocks noChangeAspect="1"/>
+          </p:cNvPicPr>
+          <p:nvPr/>
+        </p:nvPicPr>
+        <p:blipFill>
+          <a:blip r:embed="rId2"/>
+          <a:stretch>
+            <a:fillRect/>
+          </a:stretch>
+        </p:blipFill>
+        <p:spPr>
+          <a:xfrm>
+            <a:off x="1451579" y="2015732"/>
+            <a:ext cx="9035332" cy="4725064"/>
+          </a:xfrm>
+          <a:prstGeom prst="rect">
+            <a:avLst/>
+          </a:prstGeom>
+        </p:spPr>
+      </p:pic>
     </p:spTree>
     <p:extLst>
       <p:ext uri="{BB962C8B-B14F-4D97-AF65-F5344CB8AC3E}">
-        <p14:creationId xmlns:p14="http://schemas.microsoft.com/office/powerpoint/2010/main" val="1242243810"/>
+        <p14:creationId xmlns:p14="http://schemas.microsoft.com/office/powerpoint/2010/main" val="3201096647"/>
       </p:ext>
     </p:extLst>
   </p:cSld>
